--- a/研究テーマ発表.pptx
+++ b/研究テーマ発表.pptx
@@ -7,8 +7,8 @@
   <p:sldIdLst>
     <p:sldId id="256" r:id="rId2"/>
     <p:sldId id="258" r:id="rId3"/>
-    <p:sldId id="260" r:id="rId4"/>
-    <p:sldId id="259" r:id="rId5"/>
+    <p:sldId id="259" r:id="rId4"/>
+    <p:sldId id="260" r:id="rId5"/>
     <p:sldId id="262" r:id="rId6"/>
     <p:sldId id="263" r:id="rId7"/>
     <p:sldId id="264" r:id="rId8"/>
@@ -3023,7 +3023,7 @@
           <a:p>
             <a:fld id="{464EF770-7CCB-4B51-8C9A-96169A112492}" type="datetimeFigureOut">
               <a:rPr kumimoji="1" lang="ja-JP" altLang="en-US" smtClean="0"/>
-              <a:t>2024/5/24</a:t>
+              <a:t>2024/6/21</a:t>
             </a:fld>
             <a:endParaRPr kumimoji="1" lang="ja-JP" altLang="en-US"/>
           </a:p>
@@ -3253,7 +3253,7 @@
           <a:p>
             <a:fld id="{464EF770-7CCB-4B51-8C9A-96169A112492}" type="datetimeFigureOut">
               <a:rPr kumimoji="1" lang="ja-JP" altLang="en-US" smtClean="0"/>
-              <a:t>2024/5/24</a:t>
+              <a:t>2024/6/21</a:t>
             </a:fld>
             <a:endParaRPr kumimoji="1" lang="ja-JP" altLang="en-US"/>
           </a:p>
@@ -3493,7 +3493,7 @@
           <a:p>
             <a:fld id="{464EF770-7CCB-4B51-8C9A-96169A112492}" type="datetimeFigureOut">
               <a:rPr kumimoji="1" lang="ja-JP" altLang="en-US" smtClean="0"/>
-              <a:t>2024/5/24</a:t>
+              <a:t>2024/6/21</a:t>
             </a:fld>
             <a:endParaRPr kumimoji="1" lang="ja-JP" altLang="en-US"/>
           </a:p>
@@ -3723,7 +3723,7 @@
           <a:p>
             <a:fld id="{464EF770-7CCB-4B51-8C9A-96169A112492}" type="datetimeFigureOut">
               <a:rPr kumimoji="1" lang="ja-JP" altLang="en-US" smtClean="0"/>
-              <a:t>2024/5/24</a:t>
+              <a:t>2024/6/21</a:t>
             </a:fld>
             <a:endParaRPr kumimoji="1" lang="ja-JP" altLang="en-US"/>
           </a:p>
@@ -3998,7 +3998,7 @@
           <a:p>
             <a:fld id="{464EF770-7CCB-4B51-8C9A-96169A112492}" type="datetimeFigureOut">
               <a:rPr kumimoji="1" lang="ja-JP" altLang="en-US" smtClean="0"/>
-              <a:t>2024/5/24</a:t>
+              <a:t>2024/6/21</a:t>
             </a:fld>
             <a:endParaRPr kumimoji="1" lang="ja-JP" altLang="en-US"/>
           </a:p>
@@ -4327,7 +4327,7 @@
           <a:p>
             <a:fld id="{464EF770-7CCB-4B51-8C9A-96169A112492}" type="datetimeFigureOut">
               <a:rPr kumimoji="1" lang="ja-JP" altLang="en-US" smtClean="0"/>
-              <a:t>2024/5/24</a:t>
+              <a:t>2024/6/21</a:t>
             </a:fld>
             <a:endParaRPr kumimoji="1" lang="ja-JP" altLang="en-US"/>
           </a:p>
@@ -4803,7 +4803,7 @@
           <a:p>
             <a:fld id="{464EF770-7CCB-4B51-8C9A-96169A112492}" type="datetimeFigureOut">
               <a:rPr kumimoji="1" lang="ja-JP" altLang="en-US" smtClean="0"/>
-              <a:t>2024/5/24</a:t>
+              <a:t>2024/6/21</a:t>
             </a:fld>
             <a:endParaRPr kumimoji="1" lang="ja-JP" altLang="en-US"/>
           </a:p>
@@ -4944,7 +4944,7 @@
           <a:p>
             <a:fld id="{464EF770-7CCB-4B51-8C9A-96169A112492}" type="datetimeFigureOut">
               <a:rPr kumimoji="1" lang="ja-JP" altLang="en-US" smtClean="0"/>
-              <a:t>2024/5/24</a:t>
+              <a:t>2024/6/21</a:t>
             </a:fld>
             <a:endParaRPr kumimoji="1" lang="ja-JP" altLang="en-US"/>
           </a:p>
@@ -5057,7 +5057,7 @@
           <a:p>
             <a:fld id="{464EF770-7CCB-4B51-8C9A-96169A112492}" type="datetimeFigureOut">
               <a:rPr kumimoji="1" lang="ja-JP" altLang="en-US" smtClean="0"/>
-              <a:t>2024/5/24</a:t>
+              <a:t>2024/6/21</a:t>
             </a:fld>
             <a:endParaRPr kumimoji="1" lang="ja-JP" altLang="en-US"/>
           </a:p>
@@ -5400,7 +5400,7 @@
           <a:p>
             <a:fld id="{464EF770-7CCB-4B51-8C9A-96169A112492}" type="datetimeFigureOut">
               <a:rPr kumimoji="1" lang="ja-JP" altLang="en-US" smtClean="0"/>
-              <a:t>2024/5/24</a:t>
+              <a:t>2024/6/21</a:t>
             </a:fld>
             <a:endParaRPr kumimoji="1" lang="ja-JP" altLang="en-US"/>
           </a:p>
@@ -5688,7 +5688,7 @@
           <a:p>
             <a:fld id="{464EF770-7CCB-4B51-8C9A-96169A112492}" type="datetimeFigureOut">
               <a:rPr kumimoji="1" lang="ja-JP" altLang="en-US" smtClean="0"/>
-              <a:t>2024/5/24</a:t>
+              <a:t>2024/6/21</a:t>
             </a:fld>
             <a:endParaRPr kumimoji="1" lang="ja-JP" altLang="en-US"/>
           </a:p>
@@ -5961,7 +5961,7 @@
           <a:p>
             <a:fld id="{464EF770-7CCB-4B51-8C9A-96169A112492}" type="datetimeFigureOut">
               <a:rPr kumimoji="1" lang="ja-JP" altLang="en-US" smtClean="0"/>
-              <a:t>2024/5/24</a:t>
+              <a:t>2024/6/21</a:t>
             </a:fld>
             <a:endParaRPr kumimoji="1" lang="ja-JP" altLang="en-US"/>
           </a:p>
@@ -6942,7 +6942,7 @@
           <p:cNvPr id="2" name="タイトル 1">
             <a:extLst>
               <a:ext uri="{FF2B5EF4-FFF2-40B4-BE49-F238E27FC236}">
-                <a16:creationId xmlns:a16="http://schemas.microsoft.com/office/drawing/2014/main" id="{E641969E-BC1A-77ED-9884-4E114B2E4698}"/>
+                <a16:creationId xmlns:a16="http://schemas.microsoft.com/office/drawing/2014/main" id="{56429910-802D-7E09-771F-0DDB0B43974A}"/>
               </a:ext>
             </a:extLst>
           </p:cNvPr>
@@ -6961,19 +6961,16 @@
           <a:lstStyle/>
           <a:p>
             <a:r>
-              <a:rPr lang="en-US" altLang="ja-JP" sz="2800" b="1" dirty="0">
+              <a:rPr lang="ja-JP" altLang="en-US" sz="2800" b="1" dirty="0">
                 <a:latin typeface="+mn-ea"/>
                 <a:ea typeface="+mn-ea"/>
               </a:rPr>
-              <a:t>App Router</a:t>
-            </a:r>
-            <a:r>
-              <a:rPr kumimoji="1" lang="ja-JP" altLang="en-US" sz="2800" b="1" dirty="0">
-                <a:latin typeface="+mn-ea"/>
-                <a:ea typeface="+mn-ea"/>
-              </a:rPr>
-              <a:t>概要</a:t>
-            </a:r>
+              <a:t>学習するトピック</a:t>
+            </a:r>
+            <a:endParaRPr kumimoji="1" lang="ja-JP" altLang="en-US" sz="2800" b="1" dirty="0">
+              <a:latin typeface="+mn-ea"/>
+              <a:ea typeface="+mn-ea"/>
+            </a:endParaRPr>
           </a:p>
         </p:txBody>
       </p:sp>
@@ -6982,7 +6979,7 @@
           <p:cNvPr id="3" name="コンテンツ プレースホルダー 2">
             <a:extLst>
               <a:ext uri="{FF2B5EF4-FFF2-40B4-BE49-F238E27FC236}">
-                <a16:creationId xmlns:a16="http://schemas.microsoft.com/office/drawing/2014/main" id="{04D4744B-DF57-08A2-7D24-C70BD8C67352}"/>
+                <a16:creationId xmlns:a16="http://schemas.microsoft.com/office/drawing/2014/main" id="{4A536582-CB18-133D-2E38-8AE4DBCD61AA}"/>
               </a:ext>
             </a:extLst>
           </p:cNvPr>
@@ -6995,7 +6992,7 @@
         </p:nvSpPr>
         <p:spPr>
           <a:xfrm>
-            <a:off x="838200" y="1505113"/>
+            <a:off x="838200" y="1420273"/>
             <a:ext cx="10515600" cy="4351338"/>
           </a:xfrm>
         </p:spPr>
@@ -7003,9 +7000,91 @@
           <a:bodyPr/>
           <a:lstStyle/>
           <a:p>
-            <a:pPr marL="0" indent="0">
-              <a:buNone/>
-            </a:pPr>
+            <a:r>
+              <a:rPr kumimoji="1" lang="en-US" altLang="ja-JP" u="sng" dirty="0"/>
+              <a:t>RSC (React Server Components</a:t>
+            </a:r>
+            <a:r>
+              <a:rPr kumimoji="1" lang="en-US" altLang="ja-JP" u="sng" dirty="0">
+                <a:effectLst>
+                  <a:outerShdw blurRad="38100" dist="38100" dir="2700000" algn="tl">
+                    <a:srgbClr val="000000">
+                      <a:alpha val="43137"/>
+                    </a:srgbClr>
+                  </a:outerShdw>
+                </a:effectLst>
+              </a:rPr>
+              <a:t>)</a:t>
+            </a:r>
+          </a:p>
+          <a:p>
+            <a:r>
+              <a:rPr lang="en-US" altLang="ja-JP" u="sng" dirty="0"/>
+              <a:t>Suspense</a:t>
+            </a:r>
+          </a:p>
+          <a:p>
+            <a:r>
+              <a:rPr lang="en-US" altLang="ja-JP" dirty="0">
+                <a:solidFill>
+                  <a:schemeClr val="tx1">
+                    <a:lumMod val="50000"/>
+                    <a:lumOff val="50000"/>
+                  </a:schemeClr>
+                </a:solidFill>
+              </a:rPr>
+              <a:t>Pre-rendering</a:t>
+            </a:r>
+          </a:p>
+          <a:p>
+            <a:r>
+              <a:rPr kumimoji="1" lang="en-US" altLang="ja-JP" dirty="0">
+                <a:solidFill>
+                  <a:schemeClr val="tx1">
+                    <a:lumMod val="50000"/>
+                    <a:lumOff val="50000"/>
+                  </a:schemeClr>
+                </a:solidFill>
+              </a:rPr>
+              <a:t>Partial</a:t>
+            </a:r>
+            <a:r>
+              <a:rPr lang="ja-JP" altLang="en-US" dirty="0">
+                <a:solidFill>
+                  <a:schemeClr val="tx1">
+                    <a:lumMod val="50000"/>
+                    <a:lumOff val="50000"/>
+                  </a:schemeClr>
+                </a:solidFill>
+              </a:rPr>
+              <a:t> </a:t>
+            </a:r>
+            <a:r>
+              <a:rPr kumimoji="1" lang="en-US" altLang="ja-JP" dirty="0">
+                <a:solidFill>
+                  <a:schemeClr val="tx1">
+                    <a:lumMod val="50000"/>
+                    <a:lumOff val="50000"/>
+                  </a:schemeClr>
+                </a:solidFill>
+              </a:rPr>
+              <a:t>Pre-rendering</a:t>
+            </a:r>
+          </a:p>
+          <a:p>
+            <a:r>
+              <a:rPr lang="en-US" altLang="ja-JP" dirty="0">
+                <a:solidFill>
+                  <a:schemeClr val="tx1">
+                    <a:lumMod val="50000"/>
+                    <a:lumOff val="50000"/>
+                  </a:schemeClr>
+                </a:solidFill>
+              </a:rPr>
+              <a:t>Server Actions</a:t>
+            </a:r>
+          </a:p>
+          <a:p>
             <a:r>
               <a:rPr lang="en-US" altLang="ja-JP" dirty="0">
                 <a:solidFill>
@@ -7015,7 +7094,7 @@
                   </a:schemeClr>
                 </a:solidFill>
               </a:rPr>
-              <a:t>Page Router</a:t>
+              <a:t>Next</a:t>
             </a:r>
             <a:r>
               <a:rPr lang="ja-JP" altLang="en-US" dirty="0">
@@ -7026,7 +7105,7 @@
                   </a:schemeClr>
                 </a:solidFill>
               </a:rPr>
-              <a:t>までの</a:t>
+              <a:t>独自のキャッシュ </a:t>
             </a:r>
             <a:r>
               <a:rPr lang="en-US" altLang="ja-JP" dirty="0">
@@ -7037,7 +7116,7 @@
                   </a:schemeClr>
                 </a:solidFill>
               </a:rPr>
-              <a:t>Next.js</a:t>
+              <a:t>-&gt; </a:t>
             </a:r>
             <a:r>
               <a:rPr lang="ja-JP" altLang="en-US" dirty="0">
@@ -7048,7 +7127,7 @@
                   </a:schemeClr>
                 </a:solidFill>
               </a:rPr>
-              <a:t>の機能に</a:t>
+              <a:t>学習出来たら良いなと思っている</a:t>
             </a:r>
             <a:endParaRPr lang="en-US" altLang="ja-JP" dirty="0">
               <a:solidFill>
@@ -7063,126 +7142,14 @@
             <a:pPr marL="0" indent="0">
               <a:buNone/>
             </a:pPr>
-            <a:r>
-              <a:rPr lang="en-US" altLang="ja-JP" dirty="0">
-                <a:solidFill>
-                  <a:schemeClr val="tx1">
-                    <a:lumMod val="65000"/>
-                    <a:lumOff val="35000"/>
-                  </a:schemeClr>
-                </a:solidFill>
-              </a:rPr>
-              <a:t>RSC</a:t>
-            </a:r>
-            <a:r>
-              <a:rPr lang="ja-JP" altLang="en-US" dirty="0">
-                <a:solidFill>
-                  <a:schemeClr val="tx1">
-                    <a:lumMod val="65000"/>
-                    <a:lumOff val="35000"/>
-                  </a:schemeClr>
-                </a:solidFill>
-              </a:rPr>
-              <a:t> </a:t>
-            </a:r>
-            <a:r>
-              <a:rPr lang="en-US" altLang="ja-JP" dirty="0">
-                <a:solidFill>
-                  <a:schemeClr val="tx1">
-                    <a:lumMod val="65000"/>
-                    <a:lumOff val="35000"/>
-                  </a:schemeClr>
-                </a:solidFill>
-              </a:rPr>
-              <a:t>+ Server Actions + Next</a:t>
-            </a:r>
-            <a:r>
-              <a:rPr lang="ja-JP" altLang="en-US" dirty="0">
-                <a:solidFill>
-                  <a:schemeClr val="tx1">
-                    <a:lumMod val="65000"/>
-                    <a:lumOff val="35000"/>
-                  </a:schemeClr>
-                </a:solidFill>
-              </a:rPr>
-              <a:t>独自のキャッシュ を追加した物。</a:t>
-            </a:r>
-            <a:endParaRPr lang="en-US" altLang="ja-JP" dirty="0">
-              <a:solidFill>
-                <a:schemeClr val="tx1">
-                  <a:lumMod val="65000"/>
-                  <a:lumOff val="35000"/>
-                </a:schemeClr>
-              </a:solidFill>
-            </a:endParaRPr>
-          </a:p>
-          <a:p>
-            <a:pPr marL="0" indent="0">
-              <a:buNone/>
-            </a:pPr>
-            <a:endParaRPr lang="en-US" altLang="ja-JP" dirty="0">
-              <a:solidFill>
-                <a:schemeClr val="tx1">
-                  <a:lumMod val="65000"/>
-                  <a:lumOff val="35000"/>
-                </a:schemeClr>
-              </a:solidFill>
-            </a:endParaRPr>
-          </a:p>
-          <a:p>
-            <a:pPr marL="0" indent="0">
-              <a:buNone/>
-            </a:pPr>
-            <a:r>
-              <a:rPr lang="ja-JP" altLang="en-US" dirty="0">
-                <a:solidFill>
-                  <a:schemeClr val="tx1">
-                    <a:lumMod val="65000"/>
-                    <a:lumOff val="35000"/>
-                  </a:schemeClr>
-                </a:solidFill>
-              </a:rPr>
-              <a:t>全体的にパフォーマンス最適化への意識が強く、</a:t>
-            </a:r>
-            <a:endParaRPr lang="en-US" altLang="ja-JP" dirty="0">
-              <a:solidFill>
-                <a:schemeClr val="tx1">
-                  <a:lumMod val="65000"/>
-                  <a:lumOff val="35000"/>
-                </a:schemeClr>
-              </a:solidFill>
-            </a:endParaRPr>
-          </a:p>
-          <a:p>
-            <a:pPr marL="0" indent="0">
-              <a:buNone/>
-            </a:pPr>
-            <a:r>
-              <a:rPr lang="ja-JP" altLang="en-US" dirty="0">
-                <a:solidFill>
-                  <a:schemeClr val="tx1">
-                    <a:lumMod val="65000"/>
-                    <a:lumOff val="35000"/>
-                  </a:schemeClr>
-                </a:solidFill>
-              </a:rPr>
-              <a:t>ちゃんと使おうとするとかなりの学習が必要。</a:t>
-            </a:r>
-            <a:endParaRPr lang="en-US" altLang="ja-JP" dirty="0">
-              <a:solidFill>
-                <a:schemeClr val="tx1">
-                  <a:lumMod val="65000"/>
-                  <a:lumOff val="35000"/>
-                </a:schemeClr>
-              </a:solidFill>
-            </a:endParaRPr>
+            <a:endParaRPr kumimoji="1" lang="ja-JP" altLang="en-US" dirty="0"/>
           </a:p>
         </p:txBody>
       </p:sp>
     </p:spTree>
     <p:extLst>
       <p:ext uri="{BB962C8B-B14F-4D97-AF65-F5344CB8AC3E}">
-        <p14:creationId xmlns:p14="http://schemas.microsoft.com/office/powerpoint/2010/main" val="4177059854"/>
+        <p14:creationId xmlns:p14="http://schemas.microsoft.com/office/powerpoint/2010/main" val="2997338854"/>
       </p:ext>
     </p:extLst>
   </p:cSld>
@@ -7214,7 +7181,7 @@
           <p:cNvPr id="2" name="タイトル 1">
             <a:extLst>
               <a:ext uri="{FF2B5EF4-FFF2-40B4-BE49-F238E27FC236}">
-                <a16:creationId xmlns:a16="http://schemas.microsoft.com/office/drawing/2014/main" id="{56429910-802D-7E09-771F-0DDB0B43974A}"/>
+                <a16:creationId xmlns:a16="http://schemas.microsoft.com/office/drawing/2014/main" id="{E641969E-BC1A-77ED-9884-4E114B2E4698}"/>
               </a:ext>
             </a:extLst>
           </p:cNvPr>
@@ -7233,16 +7200,19 @@
           <a:lstStyle/>
           <a:p>
             <a:r>
-              <a:rPr lang="ja-JP" altLang="en-US" sz="2800" b="1" dirty="0">
+              <a:rPr lang="en-US" altLang="ja-JP" sz="2800" b="1" dirty="0">
                 <a:latin typeface="+mn-ea"/>
                 <a:ea typeface="+mn-ea"/>
               </a:rPr>
-              <a:t>学習するトピック</a:t>
-            </a:r>
-            <a:endParaRPr kumimoji="1" lang="ja-JP" altLang="en-US" sz="2800" b="1" dirty="0">
-              <a:latin typeface="+mn-ea"/>
-              <a:ea typeface="+mn-ea"/>
-            </a:endParaRPr>
+              <a:t>App Router</a:t>
+            </a:r>
+            <a:r>
+              <a:rPr kumimoji="1" lang="ja-JP" altLang="en-US" sz="2800" b="1" dirty="0">
+                <a:latin typeface="+mn-ea"/>
+                <a:ea typeface="+mn-ea"/>
+              </a:rPr>
+              <a:t>概要</a:t>
+            </a:r>
           </a:p>
         </p:txBody>
       </p:sp>
@@ -7251,7 +7221,7 @@
           <p:cNvPr id="3" name="コンテンツ プレースホルダー 2">
             <a:extLst>
               <a:ext uri="{FF2B5EF4-FFF2-40B4-BE49-F238E27FC236}">
-                <a16:creationId xmlns:a16="http://schemas.microsoft.com/office/drawing/2014/main" id="{4A536582-CB18-133D-2E38-8AE4DBCD61AA}"/>
+                <a16:creationId xmlns:a16="http://schemas.microsoft.com/office/drawing/2014/main" id="{04D4744B-DF57-08A2-7D24-C70BD8C67352}"/>
               </a:ext>
             </a:extLst>
           </p:cNvPr>
@@ -7264,7 +7234,7 @@
         </p:nvSpPr>
         <p:spPr>
           <a:xfrm>
-            <a:off x="838200" y="1420273"/>
+            <a:off x="838200" y="1505113"/>
             <a:ext cx="10515600" cy="4351338"/>
           </a:xfrm>
         </p:spPr>
@@ -7272,91 +7242,9 @@
           <a:bodyPr/>
           <a:lstStyle/>
           <a:p>
-            <a:r>
-              <a:rPr kumimoji="1" lang="en-US" altLang="ja-JP" u="sng" dirty="0"/>
-              <a:t>RSC (React Server Components</a:t>
-            </a:r>
-            <a:r>
-              <a:rPr kumimoji="1" lang="en-US" altLang="ja-JP" u="sng" dirty="0">
-                <a:effectLst>
-                  <a:outerShdw blurRad="38100" dist="38100" dir="2700000" algn="tl">
-                    <a:srgbClr val="000000">
-                      <a:alpha val="43137"/>
-                    </a:srgbClr>
-                  </a:outerShdw>
-                </a:effectLst>
-              </a:rPr>
-              <a:t>)</a:t>
-            </a:r>
-          </a:p>
-          <a:p>
-            <a:r>
-              <a:rPr lang="en-US" altLang="ja-JP" u="sng" dirty="0"/>
-              <a:t>Suspense</a:t>
-            </a:r>
-          </a:p>
-          <a:p>
-            <a:r>
-              <a:rPr lang="en-US" altLang="ja-JP" dirty="0">
-                <a:solidFill>
-                  <a:schemeClr val="tx1">
-                    <a:lumMod val="50000"/>
-                    <a:lumOff val="50000"/>
-                  </a:schemeClr>
-                </a:solidFill>
-              </a:rPr>
-              <a:t>Pre-rendering</a:t>
-            </a:r>
-          </a:p>
-          <a:p>
-            <a:r>
-              <a:rPr kumimoji="1" lang="en-US" altLang="ja-JP" dirty="0">
-                <a:solidFill>
-                  <a:schemeClr val="tx1">
-                    <a:lumMod val="50000"/>
-                    <a:lumOff val="50000"/>
-                  </a:schemeClr>
-                </a:solidFill>
-              </a:rPr>
-              <a:t>Partial</a:t>
-            </a:r>
-            <a:r>
-              <a:rPr lang="ja-JP" altLang="en-US" dirty="0">
-                <a:solidFill>
-                  <a:schemeClr val="tx1">
-                    <a:lumMod val="50000"/>
-                    <a:lumOff val="50000"/>
-                  </a:schemeClr>
-                </a:solidFill>
-              </a:rPr>
-              <a:t> </a:t>
-            </a:r>
-            <a:r>
-              <a:rPr kumimoji="1" lang="en-US" altLang="ja-JP" dirty="0">
-                <a:solidFill>
-                  <a:schemeClr val="tx1">
-                    <a:lumMod val="50000"/>
-                    <a:lumOff val="50000"/>
-                  </a:schemeClr>
-                </a:solidFill>
-              </a:rPr>
-              <a:t>Pre-rendering</a:t>
-            </a:r>
-          </a:p>
-          <a:p>
-            <a:r>
-              <a:rPr lang="en-US" altLang="ja-JP" dirty="0">
-                <a:solidFill>
-                  <a:schemeClr val="tx1">
-                    <a:lumMod val="50000"/>
-                    <a:lumOff val="50000"/>
-                  </a:schemeClr>
-                </a:solidFill>
-              </a:rPr>
-              <a:t>Server Actions</a:t>
-            </a:r>
-          </a:p>
-          <a:p>
+            <a:pPr marL="0" indent="0">
+              <a:buNone/>
+            </a:pPr>
             <a:r>
               <a:rPr lang="en-US" altLang="ja-JP" dirty="0">
                 <a:solidFill>
@@ -7366,7 +7254,7 @@
                   </a:schemeClr>
                 </a:solidFill>
               </a:rPr>
-              <a:t>Next</a:t>
+              <a:t>Page Router</a:t>
             </a:r>
             <a:r>
               <a:rPr lang="ja-JP" altLang="en-US" dirty="0">
@@ -7377,7 +7265,7 @@
                   </a:schemeClr>
                 </a:solidFill>
               </a:rPr>
-              <a:t>独自のキャッシュ </a:t>
+              <a:t>までの</a:t>
             </a:r>
             <a:r>
               <a:rPr lang="en-US" altLang="ja-JP" dirty="0">
@@ -7388,7 +7276,7 @@
                   </a:schemeClr>
                 </a:solidFill>
               </a:rPr>
-              <a:t>-&gt; </a:t>
+              <a:t>Next.js</a:t>
             </a:r>
             <a:r>
               <a:rPr lang="ja-JP" altLang="en-US" dirty="0">
@@ -7399,7 +7287,7 @@
                   </a:schemeClr>
                 </a:solidFill>
               </a:rPr>
-              <a:t>学習出来たら良いなと思っている</a:t>
+              <a:t>の機能に</a:t>
             </a:r>
             <a:endParaRPr lang="en-US" altLang="ja-JP" dirty="0">
               <a:solidFill>
@@ -7414,14 +7302,126 @@
             <a:pPr marL="0" indent="0">
               <a:buNone/>
             </a:pPr>
-            <a:endParaRPr kumimoji="1" lang="ja-JP" altLang="en-US" dirty="0"/>
+            <a:r>
+              <a:rPr lang="en-US" altLang="ja-JP" dirty="0">
+                <a:solidFill>
+                  <a:schemeClr val="tx1">
+                    <a:lumMod val="65000"/>
+                    <a:lumOff val="35000"/>
+                  </a:schemeClr>
+                </a:solidFill>
+              </a:rPr>
+              <a:t>RSC</a:t>
+            </a:r>
+            <a:r>
+              <a:rPr lang="ja-JP" altLang="en-US" dirty="0">
+                <a:solidFill>
+                  <a:schemeClr val="tx1">
+                    <a:lumMod val="65000"/>
+                    <a:lumOff val="35000"/>
+                  </a:schemeClr>
+                </a:solidFill>
+              </a:rPr>
+              <a:t> </a:t>
+            </a:r>
+            <a:r>
+              <a:rPr lang="en-US" altLang="ja-JP" dirty="0">
+                <a:solidFill>
+                  <a:schemeClr val="tx1">
+                    <a:lumMod val="65000"/>
+                    <a:lumOff val="35000"/>
+                  </a:schemeClr>
+                </a:solidFill>
+              </a:rPr>
+              <a:t>+ Server Actions + Next</a:t>
+            </a:r>
+            <a:r>
+              <a:rPr lang="ja-JP" altLang="en-US" dirty="0">
+                <a:solidFill>
+                  <a:schemeClr val="tx1">
+                    <a:lumMod val="65000"/>
+                    <a:lumOff val="35000"/>
+                  </a:schemeClr>
+                </a:solidFill>
+              </a:rPr>
+              <a:t>独自のキャッシュ を追加した物。</a:t>
+            </a:r>
+            <a:endParaRPr lang="en-US" altLang="ja-JP" dirty="0">
+              <a:solidFill>
+                <a:schemeClr val="tx1">
+                  <a:lumMod val="65000"/>
+                  <a:lumOff val="35000"/>
+                </a:schemeClr>
+              </a:solidFill>
+            </a:endParaRPr>
+          </a:p>
+          <a:p>
+            <a:pPr marL="0" indent="0">
+              <a:buNone/>
+            </a:pPr>
+            <a:endParaRPr lang="en-US" altLang="ja-JP" dirty="0">
+              <a:solidFill>
+                <a:schemeClr val="tx1">
+                  <a:lumMod val="65000"/>
+                  <a:lumOff val="35000"/>
+                </a:schemeClr>
+              </a:solidFill>
+            </a:endParaRPr>
+          </a:p>
+          <a:p>
+            <a:pPr marL="0" indent="0">
+              <a:buNone/>
+            </a:pPr>
+            <a:r>
+              <a:rPr lang="ja-JP" altLang="en-US" dirty="0">
+                <a:solidFill>
+                  <a:schemeClr val="tx1">
+                    <a:lumMod val="65000"/>
+                    <a:lumOff val="35000"/>
+                  </a:schemeClr>
+                </a:solidFill>
+              </a:rPr>
+              <a:t>全体的にパフォーマンス最適化への意識が強く、</a:t>
+            </a:r>
+            <a:endParaRPr lang="en-US" altLang="ja-JP" dirty="0">
+              <a:solidFill>
+                <a:schemeClr val="tx1">
+                  <a:lumMod val="65000"/>
+                  <a:lumOff val="35000"/>
+                </a:schemeClr>
+              </a:solidFill>
+            </a:endParaRPr>
+          </a:p>
+          <a:p>
+            <a:pPr marL="0" indent="0">
+              <a:buNone/>
+            </a:pPr>
+            <a:r>
+              <a:rPr lang="ja-JP" altLang="en-US" dirty="0">
+                <a:solidFill>
+                  <a:schemeClr val="tx1">
+                    <a:lumMod val="65000"/>
+                    <a:lumOff val="35000"/>
+                  </a:schemeClr>
+                </a:solidFill>
+              </a:rPr>
+              <a:t>ちゃんと使おうとするとかなりの学習が必要。</a:t>
+            </a:r>
+            <a:endParaRPr lang="en-US" altLang="ja-JP" dirty="0">
+              <a:solidFill>
+                <a:schemeClr val="tx1">
+                  <a:lumMod val="65000"/>
+                  <a:lumOff val="35000"/>
+                </a:schemeClr>
+              </a:solidFill>
+            </a:endParaRPr>
           </a:p>
         </p:txBody>
       </p:sp>
     </p:spTree>
     <p:extLst>
       <p:ext uri="{BB962C8B-B14F-4D97-AF65-F5344CB8AC3E}">
-        <p14:creationId xmlns:p14="http://schemas.microsoft.com/office/powerpoint/2010/main" val="2997338854"/>
+        <p14:creationId xmlns:p14="http://schemas.microsoft.com/office/powerpoint/2010/main" val="4177059854"/>
       </p:ext>
     </p:extLst>
   </p:cSld>
